--- a/prezentacie/t11w.pptx
+++ b/prezentacie/t11w.pptx
@@ -262,7 +262,7 @@
           <a:p>
             <a:fld id="{10052495-8BC8-4CFB-94B1-B0429F101A0D}" type="datetimeFigureOut">
               <a:rPr lang="sk-SK" smtClean="0"/>
-              <a:t>11. 11. 2025</a:t>
+              <a:t>18. 11. 2025</a:t>
             </a:fld>
             <a:endParaRPr lang="sk-SK"/>
           </a:p>
@@ -432,7 +432,7 @@
           <a:p>
             <a:fld id="{10052495-8BC8-4CFB-94B1-B0429F101A0D}" type="datetimeFigureOut">
               <a:rPr lang="sk-SK" smtClean="0"/>
-              <a:t>11. 11. 2025</a:t>
+              <a:t>18. 11. 2025</a:t>
             </a:fld>
             <a:endParaRPr lang="sk-SK"/>
           </a:p>
@@ -612,7 +612,7 @@
           <a:p>
             <a:fld id="{10052495-8BC8-4CFB-94B1-B0429F101A0D}" type="datetimeFigureOut">
               <a:rPr lang="sk-SK" smtClean="0"/>
-              <a:t>11. 11. 2025</a:t>
+              <a:t>18. 11. 2025</a:t>
             </a:fld>
             <a:endParaRPr lang="sk-SK"/>
           </a:p>
@@ -782,7 +782,7 @@
           <a:p>
             <a:fld id="{10052495-8BC8-4CFB-94B1-B0429F101A0D}" type="datetimeFigureOut">
               <a:rPr lang="sk-SK" smtClean="0"/>
-              <a:t>11. 11. 2025</a:t>
+              <a:t>18. 11. 2025</a:t>
             </a:fld>
             <a:endParaRPr lang="sk-SK"/>
           </a:p>
@@ -1028,7 +1028,7 @@
           <a:p>
             <a:fld id="{10052495-8BC8-4CFB-94B1-B0429F101A0D}" type="datetimeFigureOut">
               <a:rPr lang="sk-SK" smtClean="0"/>
-              <a:t>11. 11. 2025</a:t>
+              <a:t>18. 11. 2025</a:t>
             </a:fld>
             <a:endParaRPr lang="sk-SK"/>
           </a:p>
@@ -1260,7 +1260,7 @@
           <a:p>
             <a:fld id="{10052495-8BC8-4CFB-94B1-B0429F101A0D}" type="datetimeFigureOut">
               <a:rPr lang="sk-SK" smtClean="0"/>
-              <a:t>11. 11. 2025</a:t>
+              <a:t>18. 11. 2025</a:t>
             </a:fld>
             <a:endParaRPr lang="sk-SK"/>
           </a:p>
@@ -1627,7 +1627,7 @@
           <a:p>
             <a:fld id="{10052495-8BC8-4CFB-94B1-B0429F101A0D}" type="datetimeFigureOut">
               <a:rPr lang="sk-SK" smtClean="0"/>
-              <a:t>11. 11. 2025</a:t>
+              <a:t>18. 11. 2025</a:t>
             </a:fld>
             <a:endParaRPr lang="sk-SK"/>
           </a:p>
@@ -1745,7 +1745,7 @@
           <a:p>
             <a:fld id="{10052495-8BC8-4CFB-94B1-B0429F101A0D}" type="datetimeFigureOut">
               <a:rPr lang="sk-SK" smtClean="0"/>
-              <a:t>11. 11. 2025</a:t>
+              <a:t>18. 11. 2025</a:t>
             </a:fld>
             <a:endParaRPr lang="sk-SK"/>
           </a:p>
@@ -1840,7 +1840,7 @@
           <a:p>
             <a:fld id="{10052495-8BC8-4CFB-94B1-B0429F101A0D}" type="datetimeFigureOut">
               <a:rPr lang="sk-SK" smtClean="0"/>
-              <a:t>11. 11. 2025</a:t>
+              <a:t>18. 11. 2025</a:t>
             </a:fld>
             <a:endParaRPr lang="sk-SK"/>
           </a:p>
@@ -2117,7 +2117,7 @@
           <a:p>
             <a:fld id="{10052495-8BC8-4CFB-94B1-B0429F101A0D}" type="datetimeFigureOut">
               <a:rPr lang="sk-SK" smtClean="0"/>
-              <a:t>11. 11. 2025</a:t>
+              <a:t>18. 11. 2025</a:t>
             </a:fld>
             <a:endParaRPr lang="sk-SK"/>
           </a:p>
@@ -2374,7 +2374,7 @@
           <a:p>
             <a:fld id="{10052495-8BC8-4CFB-94B1-B0429F101A0D}" type="datetimeFigureOut">
               <a:rPr lang="sk-SK" smtClean="0"/>
-              <a:t>11. 11. 2025</a:t>
+              <a:t>18. 11. 2025</a:t>
             </a:fld>
             <a:endParaRPr lang="sk-SK"/>
           </a:p>
@@ -2587,7 +2587,7 @@
           <a:p>
             <a:fld id="{10052495-8BC8-4CFB-94B1-B0429F101A0D}" type="datetimeFigureOut">
               <a:rPr lang="sk-SK" smtClean="0"/>
-              <a:t>11. 11. 2025</a:t>
+              <a:t>18. 11. 2025</a:t>
             </a:fld>
             <a:endParaRPr lang="sk-SK"/>
           </a:p>
@@ -8030,8 +8030,12 @@
               <a:buAutoNum type="arabicPeriod"/>
             </a:pPr>
             <a:r>
-              <a:rPr lang="en-US" dirty="0" err="1"/>
-              <a:t>Zapuzdrenie</a:t>
+              <a:rPr lang="en-US" dirty="0"/>
+              <a:t>Dedi</a:t>
+            </a:r>
+            <a:r>
+              <a:rPr lang="sk-SK" dirty="0"/>
+              <a:t>čnosť</a:t>
             </a:r>
             <a:endParaRPr lang="en-US" dirty="0"/>
           </a:p>

--- a/prezentacie/t11w.pptx
+++ b/prezentacie/t11w.pptx
@@ -262,7 +262,7 @@
           <a:p>
             <a:fld id="{10052495-8BC8-4CFB-94B1-B0429F101A0D}" type="datetimeFigureOut">
               <a:rPr lang="sk-SK" smtClean="0"/>
-              <a:t>18. 11. 2025</a:t>
+              <a:t>1. 12. 2025</a:t>
             </a:fld>
             <a:endParaRPr lang="sk-SK"/>
           </a:p>
@@ -432,7 +432,7 @@
           <a:p>
             <a:fld id="{10052495-8BC8-4CFB-94B1-B0429F101A0D}" type="datetimeFigureOut">
               <a:rPr lang="sk-SK" smtClean="0"/>
-              <a:t>18. 11. 2025</a:t>
+              <a:t>1. 12. 2025</a:t>
             </a:fld>
             <a:endParaRPr lang="sk-SK"/>
           </a:p>
@@ -612,7 +612,7 @@
           <a:p>
             <a:fld id="{10052495-8BC8-4CFB-94B1-B0429F101A0D}" type="datetimeFigureOut">
               <a:rPr lang="sk-SK" smtClean="0"/>
-              <a:t>18. 11. 2025</a:t>
+              <a:t>1. 12. 2025</a:t>
             </a:fld>
             <a:endParaRPr lang="sk-SK"/>
           </a:p>
@@ -782,7 +782,7 @@
           <a:p>
             <a:fld id="{10052495-8BC8-4CFB-94B1-B0429F101A0D}" type="datetimeFigureOut">
               <a:rPr lang="sk-SK" smtClean="0"/>
-              <a:t>18. 11. 2025</a:t>
+              <a:t>1. 12. 2025</a:t>
             </a:fld>
             <a:endParaRPr lang="sk-SK"/>
           </a:p>
@@ -1028,7 +1028,7 @@
           <a:p>
             <a:fld id="{10052495-8BC8-4CFB-94B1-B0429F101A0D}" type="datetimeFigureOut">
               <a:rPr lang="sk-SK" smtClean="0"/>
-              <a:t>18. 11. 2025</a:t>
+              <a:t>1. 12. 2025</a:t>
             </a:fld>
             <a:endParaRPr lang="sk-SK"/>
           </a:p>
@@ -1260,7 +1260,7 @@
           <a:p>
             <a:fld id="{10052495-8BC8-4CFB-94B1-B0429F101A0D}" type="datetimeFigureOut">
               <a:rPr lang="sk-SK" smtClean="0"/>
-              <a:t>18. 11. 2025</a:t>
+              <a:t>1. 12. 2025</a:t>
             </a:fld>
             <a:endParaRPr lang="sk-SK"/>
           </a:p>
@@ -1627,7 +1627,7 @@
           <a:p>
             <a:fld id="{10052495-8BC8-4CFB-94B1-B0429F101A0D}" type="datetimeFigureOut">
               <a:rPr lang="sk-SK" smtClean="0"/>
-              <a:t>18. 11. 2025</a:t>
+              <a:t>1. 12. 2025</a:t>
             </a:fld>
             <a:endParaRPr lang="sk-SK"/>
           </a:p>
@@ -1745,7 +1745,7 @@
           <a:p>
             <a:fld id="{10052495-8BC8-4CFB-94B1-B0429F101A0D}" type="datetimeFigureOut">
               <a:rPr lang="sk-SK" smtClean="0"/>
-              <a:t>18. 11. 2025</a:t>
+              <a:t>1. 12. 2025</a:t>
             </a:fld>
             <a:endParaRPr lang="sk-SK"/>
           </a:p>
@@ -1840,7 +1840,7 @@
           <a:p>
             <a:fld id="{10052495-8BC8-4CFB-94B1-B0429F101A0D}" type="datetimeFigureOut">
               <a:rPr lang="sk-SK" smtClean="0"/>
-              <a:t>18. 11. 2025</a:t>
+              <a:t>1. 12. 2025</a:t>
             </a:fld>
             <a:endParaRPr lang="sk-SK"/>
           </a:p>
@@ -2117,7 +2117,7 @@
           <a:p>
             <a:fld id="{10052495-8BC8-4CFB-94B1-B0429F101A0D}" type="datetimeFigureOut">
               <a:rPr lang="sk-SK" smtClean="0"/>
-              <a:t>18. 11. 2025</a:t>
+              <a:t>1. 12. 2025</a:t>
             </a:fld>
             <a:endParaRPr lang="sk-SK"/>
           </a:p>
@@ -2374,7 +2374,7 @@
           <a:p>
             <a:fld id="{10052495-8BC8-4CFB-94B1-B0429F101A0D}" type="datetimeFigureOut">
               <a:rPr lang="sk-SK" smtClean="0"/>
-              <a:t>18. 11. 2025</a:t>
+              <a:t>1. 12. 2025</a:t>
             </a:fld>
             <a:endParaRPr lang="sk-SK"/>
           </a:p>
@@ -2587,7 +2587,7 @@
           <a:p>
             <a:fld id="{10052495-8BC8-4CFB-94B1-B0429F101A0D}" type="datetimeFigureOut">
               <a:rPr lang="sk-SK" smtClean="0"/>
-              <a:t>18. 11. 2025</a:t>
+              <a:t>1. 12. 2025</a:t>
             </a:fld>
             <a:endParaRPr lang="sk-SK"/>
           </a:p>
@@ -3720,7 +3720,27 @@
             </a:pPr>
             <a:r>
               <a:rPr lang="sk-SK" dirty="0"/>
-              <a:t>Ak nezavoláme nadradený konštruktor, musíme inicializovať zdedené atribúty sami</a:t>
+              <a:t>Ak nezavoláme nadradený konštruktor, </a:t>
+            </a:r>
+            <a:r>
+              <a:rPr lang="en-US" dirty="0"/>
+              <a:t>Java </a:t>
+            </a:r>
+            <a:r>
+              <a:rPr lang="en-US" dirty="0" err="1"/>
+              <a:t>zavol</a:t>
+            </a:r>
+            <a:r>
+              <a:rPr lang="sk-SK" dirty="0"/>
+              <a:t>á </a:t>
+            </a:r>
+            <a:r>
+              <a:rPr lang="sk-SK" dirty="0" err="1"/>
+              <a:t>defaultný</a:t>
+            </a:r>
+            <a:r>
+              <a:rPr lang="sk-SK" dirty="0"/>
+              <a:t> konštruktor nadradenej triedy. Ak taký nie je, kompilátor skončí chybou</a:t>
             </a:r>
           </a:p>
         </p:txBody>
